--- a/design/arborescence.pptx
+++ b/design/arborescence.pptx
@@ -6,6 +6,7 @@
   </p:sldMasterIdLst>
   <p:sldIdLst>
     <p:sldId id="256" r:id="rId2"/>
+    <p:sldId id="257" r:id="rId3"/>
   </p:sldIdLst>
   <p:sldSz cx="12192000" cy="6858000"/>
   <p:notesSz cx="6858000" cy="9144000"/>
@@ -4046,26 +4047,6 @@
               </a:solidFill>
             </a:endParaRPr>
           </a:p>
-          <a:p>
-            <a:r>
-              <a:rPr lang="fr-FR" dirty="0">
-                <a:solidFill>
-                  <a:schemeClr val="tx1"/>
-                </a:solidFill>
-              </a:rPr>
-              <a:t> - main.css</a:t>
-            </a:r>
-          </a:p>
-          <a:p>
-            <a:r>
-              <a:rPr lang="fr-FR" dirty="0">
-                <a:solidFill>
-                  <a:schemeClr val="tx1"/>
-                </a:solidFill>
-              </a:rPr>
-              <a:t> - secondaire.css</a:t>
-            </a:r>
-          </a:p>
         </p:txBody>
       </p:sp>
       <p:sp>
@@ -4130,7 +4111,7 @@
               <a:t>Dossier </a:t>
             </a:r>
             <a:r>
-              <a:rPr lang="fr-FR" b="1" dirty="0" err="1">
+              <a:rPr lang="fr-FR" b="1">
                 <a:solidFill>
                   <a:schemeClr val="tx1"/>
                 </a:solidFill>
@@ -4143,32 +4124,1092 @@
               </a:solidFill>
             </a:endParaRPr>
           </a:p>
-          <a:p>
-            <a:r>
-              <a:rPr lang="fr-FR" dirty="0">
-                <a:solidFill>
-                  <a:schemeClr val="tx1"/>
-                </a:solidFill>
-              </a:rPr>
-              <a:t> - main.css</a:t>
-            </a:r>
-          </a:p>
-          <a:p>
-            <a:r>
-              <a:rPr lang="fr-FR" dirty="0">
-                <a:solidFill>
-                  <a:schemeClr val="tx1"/>
-                </a:solidFill>
-              </a:rPr>
-              <a:t> - secondaire.css</a:t>
-            </a:r>
-          </a:p>
         </p:txBody>
       </p:sp>
     </p:spTree>
     <p:extLst>
       <p:ext uri="{BB962C8B-B14F-4D97-AF65-F5344CB8AC3E}">
         <p14:creationId xmlns:p14="http://schemas.microsoft.com/office/powerpoint/2010/main" val="2729568420"/>
+      </p:ext>
+    </p:extLst>
+  </p:cSld>
+  <p:clrMapOvr>
+    <a:masterClrMapping/>
+  </p:clrMapOvr>
+</p:sld>
+</file>
+
+<file path=ppt/slides/slide2.xml><?xml version="1.0" encoding="utf-8"?>
+<p:sld xmlns:a="http://schemas.openxmlformats.org/drawingml/2006/main" xmlns:r="http://schemas.openxmlformats.org/officeDocument/2006/relationships" xmlns:p="http://schemas.openxmlformats.org/presentationml/2006/main">
+  <p:cSld>
+    <p:spTree>
+      <p:nvGrpSpPr>
+        <p:cNvPr id="1" name=""/>
+        <p:cNvGrpSpPr/>
+        <p:nvPr/>
+      </p:nvGrpSpPr>
+      <p:grpSpPr>
+        <a:xfrm>
+          <a:off x="0" y="0"/>
+          <a:ext cx="0" cy="0"/>
+          <a:chOff x="0" y="0"/>
+          <a:chExt cx="0" cy="0"/>
+        </a:xfrm>
+      </p:grpSpPr>
+      <p:sp>
+        <p:nvSpPr>
+          <p:cNvPr id="4" name="Rectangle 3">
+            <a:extLst>
+              <a:ext uri="{FF2B5EF4-FFF2-40B4-BE49-F238E27FC236}">
+                <a16:creationId xmlns:a16="http://schemas.microsoft.com/office/drawing/2014/main" id="{3A4D9F13-EB06-4AF7-9BD2-2CEF87EF8A35}"/>
+              </a:ext>
+            </a:extLst>
+          </p:cNvPr>
+          <p:cNvSpPr/>
+          <p:nvPr/>
+        </p:nvSpPr>
+        <p:spPr>
+          <a:xfrm>
+            <a:off x="5199321" y="116957"/>
+            <a:ext cx="1194391" cy="1244009"/>
+          </a:xfrm>
+          <a:prstGeom prst="rect">
+            <a:avLst/>
+          </a:prstGeom>
+          <a:solidFill>
+            <a:schemeClr val="accent4">
+              <a:lumMod val="40000"/>
+              <a:lumOff val="60000"/>
+            </a:schemeClr>
+          </a:solidFill>
+          <a:ln>
+            <a:solidFill>
+              <a:schemeClr val="tx1"/>
+            </a:solidFill>
+          </a:ln>
+        </p:spPr>
+        <p:style>
+          <a:lnRef idx="2">
+            <a:schemeClr val="accent1">
+              <a:shade val="50000"/>
+            </a:schemeClr>
+          </a:lnRef>
+          <a:fillRef idx="1">
+            <a:schemeClr val="accent1"/>
+          </a:fillRef>
+          <a:effectRef idx="0">
+            <a:schemeClr val="accent1"/>
+          </a:effectRef>
+          <a:fontRef idx="minor">
+            <a:schemeClr val="lt1"/>
+          </a:fontRef>
+        </p:style>
+        <p:txBody>
+          <a:bodyPr rtlCol="0" anchor="ctr"/>
+          <a:lstStyle/>
+          <a:p>
+            <a:pPr algn="ctr"/>
+            <a:r>
+              <a:rPr lang="fr-FR" dirty="0" err="1">
+                <a:solidFill>
+                  <a:schemeClr val="tx1"/>
+                </a:solidFill>
+              </a:rPr>
+              <a:t>Index.php</a:t>
+            </a:r>
+            <a:endParaRPr lang="fr-FR" dirty="0">
+              <a:solidFill>
+                <a:schemeClr val="tx1"/>
+              </a:solidFill>
+            </a:endParaRPr>
+          </a:p>
+        </p:txBody>
+      </p:sp>
+      <p:sp>
+        <p:nvSpPr>
+          <p:cNvPr id="5" name="Rectangle 4">
+            <a:extLst>
+              <a:ext uri="{FF2B5EF4-FFF2-40B4-BE49-F238E27FC236}">
+                <a16:creationId xmlns:a16="http://schemas.microsoft.com/office/drawing/2014/main" id="{2C19E01D-8320-4A14-B7AB-8506C255DBF2}"/>
+              </a:ext>
+            </a:extLst>
+          </p:cNvPr>
+          <p:cNvSpPr/>
+          <p:nvPr/>
+        </p:nvSpPr>
+        <p:spPr>
+          <a:xfrm>
+            <a:off x="159489" y="2076893"/>
+            <a:ext cx="3271284" cy="2367516"/>
+          </a:xfrm>
+          <a:prstGeom prst="rect">
+            <a:avLst/>
+          </a:prstGeom>
+          <a:solidFill>
+            <a:schemeClr val="accent1">
+              <a:lumMod val="20000"/>
+              <a:lumOff val="80000"/>
+            </a:schemeClr>
+          </a:solidFill>
+          <a:ln>
+            <a:solidFill>
+              <a:schemeClr val="tx1"/>
+            </a:solidFill>
+          </a:ln>
+        </p:spPr>
+        <p:style>
+          <a:lnRef idx="2">
+            <a:schemeClr val="accent1">
+              <a:shade val="50000"/>
+            </a:schemeClr>
+          </a:lnRef>
+          <a:fillRef idx="1">
+            <a:schemeClr val="accent1"/>
+          </a:fillRef>
+          <a:effectRef idx="0">
+            <a:schemeClr val="accent1"/>
+          </a:effectRef>
+          <a:fontRef idx="minor">
+            <a:schemeClr val="lt1"/>
+          </a:fontRef>
+        </p:style>
+        <p:txBody>
+          <a:bodyPr rtlCol="0" anchor="t"/>
+          <a:lstStyle/>
+          <a:p>
+            <a:pPr algn="ctr"/>
+            <a:r>
+              <a:rPr lang="fr-FR" sz="1800" b="1" dirty="0">
+                <a:solidFill>
+                  <a:schemeClr val="tx1"/>
+                </a:solidFill>
+              </a:rPr>
+              <a:t>Dossier assets</a:t>
+            </a:r>
+          </a:p>
+        </p:txBody>
+      </p:sp>
+      <p:sp>
+        <p:nvSpPr>
+          <p:cNvPr id="6" name="Rectangle 5">
+            <a:extLst>
+              <a:ext uri="{FF2B5EF4-FFF2-40B4-BE49-F238E27FC236}">
+                <a16:creationId xmlns:a16="http://schemas.microsoft.com/office/drawing/2014/main" id="{FE7ECDE2-3112-4702-AF7A-E3C5D3142B07}"/>
+              </a:ext>
+            </a:extLst>
+          </p:cNvPr>
+          <p:cNvSpPr/>
+          <p:nvPr/>
+        </p:nvSpPr>
+        <p:spPr>
+          <a:xfrm>
+            <a:off x="3537098" y="2076893"/>
+            <a:ext cx="2739656" cy="2367516"/>
+          </a:xfrm>
+          <a:prstGeom prst="rect">
+            <a:avLst/>
+          </a:prstGeom>
+          <a:solidFill>
+            <a:schemeClr val="accent1">
+              <a:lumMod val="20000"/>
+              <a:lumOff val="80000"/>
+            </a:schemeClr>
+          </a:solidFill>
+          <a:ln>
+            <a:solidFill>
+              <a:schemeClr val="tx1"/>
+            </a:solidFill>
+          </a:ln>
+        </p:spPr>
+        <p:style>
+          <a:lnRef idx="2">
+            <a:schemeClr val="accent1">
+              <a:shade val="50000"/>
+            </a:schemeClr>
+          </a:lnRef>
+          <a:fillRef idx="1">
+            <a:schemeClr val="accent1"/>
+          </a:fillRef>
+          <a:effectRef idx="0">
+            <a:schemeClr val="accent1"/>
+          </a:effectRef>
+          <a:fontRef idx="minor">
+            <a:schemeClr val="lt1"/>
+          </a:fontRef>
+        </p:style>
+        <p:txBody>
+          <a:bodyPr rtlCol="0" anchor="t"/>
+          <a:lstStyle/>
+          <a:p>
+            <a:pPr algn="ctr"/>
+            <a:r>
+              <a:rPr lang="fr-FR" sz="1800" b="1" dirty="0">
+                <a:solidFill>
+                  <a:schemeClr val="tx1"/>
+                </a:solidFill>
+              </a:rPr>
+              <a:t>Dossier </a:t>
+            </a:r>
+            <a:r>
+              <a:rPr lang="fr-FR" sz="1800" b="1" dirty="0" err="1">
+                <a:solidFill>
+                  <a:schemeClr val="tx1"/>
+                </a:solidFill>
+              </a:rPr>
+              <a:t>include</a:t>
+            </a:r>
+            <a:endParaRPr lang="fr-FR" sz="1800" b="1" dirty="0">
+              <a:solidFill>
+                <a:schemeClr val="tx1"/>
+              </a:solidFill>
+            </a:endParaRPr>
+          </a:p>
+          <a:p>
+            <a:r>
+              <a:rPr lang="fr-FR" dirty="0">
+                <a:solidFill>
+                  <a:schemeClr val="tx1"/>
+                </a:solidFill>
+              </a:rPr>
+              <a:t> - </a:t>
+            </a:r>
+            <a:r>
+              <a:rPr lang="fr-FR" dirty="0" err="1">
+                <a:solidFill>
+                  <a:schemeClr val="tx1"/>
+                </a:solidFill>
+              </a:rPr>
+              <a:t>header.php</a:t>
+            </a:r>
+            <a:endParaRPr lang="fr-FR" dirty="0">
+              <a:solidFill>
+                <a:schemeClr val="tx1"/>
+              </a:solidFill>
+            </a:endParaRPr>
+          </a:p>
+          <a:p>
+            <a:r>
+              <a:rPr lang="fr-FR" dirty="0">
+                <a:solidFill>
+                  <a:schemeClr val="tx1"/>
+                </a:solidFill>
+              </a:rPr>
+              <a:t> - </a:t>
+            </a:r>
+            <a:r>
+              <a:rPr lang="fr-FR" dirty="0" err="1">
+                <a:solidFill>
+                  <a:schemeClr val="tx1"/>
+                </a:solidFill>
+              </a:rPr>
+              <a:t>footer.php</a:t>
+            </a:r>
+            <a:endParaRPr lang="fr-FR" dirty="0">
+              <a:solidFill>
+                <a:schemeClr val="tx1"/>
+              </a:solidFill>
+            </a:endParaRPr>
+          </a:p>
+          <a:p>
+            <a:r>
+              <a:rPr lang="fr-FR" dirty="0">
+                <a:solidFill>
+                  <a:schemeClr val="tx1"/>
+                </a:solidFill>
+              </a:rPr>
+              <a:t> - ? </a:t>
+            </a:r>
+            <a:r>
+              <a:rPr lang="fr-FR" dirty="0" err="1">
+                <a:solidFill>
+                  <a:schemeClr val="tx1"/>
+                </a:solidFill>
+              </a:rPr>
+              <a:t>Text</a:t>
+            </a:r>
+            <a:r>
+              <a:rPr lang="fr-FR" dirty="0">
+                <a:solidFill>
+                  <a:schemeClr val="tx1"/>
+                </a:solidFill>
+              </a:rPr>
+              <a:t>?</a:t>
+            </a:r>
+          </a:p>
+          <a:p>
+            <a:endParaRPr lang="fr-FR" sz="1800" b="1" dirty="0">
+              <a:solidFill>
+                <a:schemeClr val="tx1"/>
+              </a:solidFill>
+            </a:endParaRPr>
+          </a:p>
+        </p:txBody>
+      </p:sp>
+      <p:sp>
+        <p:nvSpPr>
+          <p:cNvPr id="17" name="Rectangle 16">
+            <a:extLst>
+              <a:ext uri="{FF2B5EF4-FFF2-40B4-BE49-F238E27FC236}">
+                <a16:creationId xmlns:a16="http://schemas.microsoft.com/office/drawing/2014/main" id="{85411AEA-4013-467F-A1A7-F69A43EA1A82}"/>
+              </a:ext>
+            </a:extLst>
+          </p:cNvPr>
+          <p:cNvSpPr/>
+          <p:nvPr/>
+        </p:nvSpPr>
+        <p:spPr>
+          <a:xfrm>
+            <a:off x="9292856" y="2062716"/>
+            <a:ext cx="2739656" cy="2367516"/>
+          </a:xfrm>
+          <a:prstGeom prst="rect">
+            <a:avLst/>
+          </a:prstGeom>
+          <a:solidFill>
+            <a:schemeClr val="accent1">
+              <a:lumMod val="20000"/>
+              <a:lumOff val="80000"/>
+            </a:schemeClr>
+          </a:solidFill>
+          <a:ln>
+            <a:solidFill>
+              <a:schemeClr val="tx1"/>
+            </a:solidFill>
+          </a:ln>
+        </p:spPr>
+        <p:style>
+          <a:lnRef idx="2">
+            <a:schemeClr val="accent1">
+              <a:shade val="50000"/>
+            </a:schemeClr>
+          </a:lnRef>
+          <a:fillRef idx="1">
+            <a:schemeClr val="accent1"/>
+          </a:fillRef>
+          <a:effectRef idx="0">
+            <a:schemeClr val="accent1"/>
+          </a:effectRef>
+          <a:fontRef idx="minor">
+            <a:schemeClr val="lt1"/>
+          </a:fontRef>
+        </p:style>
+        <p:txBody>
+          <a:bodyPr rtlCol="0" anchor="t"/>
+          <a:lstStyle/>
+          <a:p>
+            <a:pPr algn="ctr"/>
+            <a:r>
+              <a:rPr lang="fr-FR" sz="2000" b="1" dirty="0">
+                <a:solidFill>
+                  <a:schemeClr val="tx1"/>
+                </a:solidFill>
+              </a:rPr>
+              <a:t>Pages</a:t>
+            </a:r>
+          </a:p>
+          <a:p>
+            <a:r>
+              <a:rPr lang="fr-FR" sz="2000" dirty="0">
+                <a:solidFill>
+                  <a:schemeClr val="tx1"/>
+                </a:solidFill>
+              </a:rPr>
+              <a:t> - home</a:t>
+            </a:r>
+          </a:p>
+          <a:p>
+            <a:r>
+              <a:rPr lang="fr-FR" sz="2000" dirty="0">
+                <a:solidFill>
+                  <a:schemeClr val="tx1"/>
+                </a:solidFill>
+              </a:rPr>
+              <a:t> - articles</a:t>
+            </a:r>
+          </a:p>
+          <a:p>
+            <a:pPr algn="ctr"/>
+            <a:endParaRPr lang="fr-FR" sz="2000" dirty="0">
+              <a:solidFill>
+                <a:schemeClr val="tx1"/>
+              </a:solidFill>
+            </a:endParaRPr>
+          </a:p>
+        </p:txBody>
+      </p:sp>
+      <p:sp>
+        <p:nvSpPr>
+          <p:cNvPr id="18" name="Rectangle 17">
+            <a:extLst>
+              <a:ext uri="{FF2B5EF4-FFF2-40B4-BE49-F238E27FC236}">
+                <a16:creationId xmlns:a16="http://schemas.microsoft.com/office/drawing/2014/main" id="{54A85BDB-4E80-42FA-B350-EE842C825D47}"/>
+              </a:ext>
+            </a:extLst>
+          </p:cNvPr>
+          <p:cNvSpPr/>
+          <p:nvPr/>
+        </p:nvSpPr>
+        <p:spPr>
+          <a:xfrm>
+            <a:off x="6414977" y="2062716"/>
+            <a:ext cx="2739656" cy="2367516"/>
+          </a:xfrm>
+          <a:prstGeom prst="rect">
+            <a:avLst/>
+          </a:prstGeom>
+          <a:solidFill>
+            <a:schemeClr val="accent1">
+              <a:lumMod val="20000"/>
+              <a:lumOff val="80000"/>
+            </a:schemeClr>
+          </a:solidFill>
+          <a:ln>
+            <a:solidFill>
+              <a:schemeClr val="tx1"/>
+            </a:solidFill>
+          </a:ln>
+        </p:spPr>
+        <p:style>
+          <a:lnRef idx="2">
+            <a:schemeClr val="accent1">
+              <a:shade val="50000"/>
+            </a:schemeClr>
+          </a:lnRef>
+          <a:fillRef idx="1">
+            <a:schemeClr val="accent1"/>
+          </a:fillRef>
+          <a:effectRef idx="0">
+            <a:schemeClr val="accent1"/>
+          </a:effectRef>
+          <a:fontRef idx="minor">
+            <a:schemeClr val="lt1"/>
+          </a:fontRef>
+        </p:style>
+        <p:txBody>
+          <a:bodyPr rtlCol="0" anchor="t"/>
+          <a:lstStyle/>
+          <a:p>
+            <a:pPr algn="ctr"/>
+            <a:r>
+              <a:rPr lang="fr-FR" sz="1800" b="1" dirty="0" err="1">
+                <a:solidFill>
+                  <a:schemeClr val="tx1"/>
+                </a:solidFill>
+              </a:rPr>
+              <a:t>Credits</a:t>
+            </a:r>
+            <a:endParaRPr lang="fr-FR" sz="1800" b="1" dirty="0">
+              <a:solidFill>
+                <a:schemeClr val="tx1"/>
+              </a:solidFill>
+            </a:endParaRPr>
+          </a:p>
+          <a:p>
+            <a:r>
+              <a:rPr lang="fr-FR" dirty="0">
+                <a:solidFill>
+                  <a:schemeClr val="tx1"/>
+                </a:solidFill>
+              </a:rPr>
+              <a:t> - licence</a:t>
+            </a:r>
+          </a:p>
+          <a:p>
+            <a:r>
+              <a:rPr lang="fr-FR" dirty="0">
+                <a:solidFill>
+                  <a:schemeClr val="tx1"/>
+                </a:solidFill>
+              </a:rPr>
+              <a:t> - </a:t>
+            </a:r>
+            <a:r>
+              <a:rPr lang="fr-FR" dirty="0" err="1">
+                <a:solidFill>
+                  <a:schemeClr val="tx1"/>
+                </a:solidFill>
+              </a:rPr>
+              <a:t>credits</a:t>
+            </a:r>
+            <a:endParaRPr lang="fr-FR" dirty="0">
+              <a:solidFill>
+                <a:schemeClr val="tx1"/>
+              </a:solidFill>
+            </a:endParaRPr>
+          </a:p>
+          <a:p>
+            <a:r>
+              <a:rPr lang="fr-FR" dirty="0">
+                <a:solidFill>
+                  <a:schemeClr val="tx1"/>
+                </a:solidFill>
+              </a:rPr>
+              <a:t> - …</a:t>
+            </a:r>
+          </a:p>
+          <a:p>
+            <a:pPr algn="ctr"/>
+            <a:endParaRPr lang="fr-FR" sz="1800" b="1" dirty="0">
+              <a:solidFill>
+                <a:schemeClr val="tx1"/>
+              </a:solidFill>
+            </a:endParaRPr>
+          </a:p>
+        </p:txBody>
+      </p:sp>
+      <p:sp>
+        <p:nvSpPr>
+          <p:cNvPr id="19" name="Rectangle 18">
+            <a:extLst>
+              <a:ext uri="{FF2B5EF4-FFF2-40B4-BE49-F238E27FC236}">
+                <a16:creationId xmlns:a16="http://schemas.microsoft.com/office/drawing/2014/main" id="{7A7F3C0B-74C7-4AA4-BE21-87FC046205B7}"/>
+              </a:ext>
+            </a:extLst>
+          </p:cNvPr>
+          <p:cNvSpPr/>
+          <p:nvPr/>
+        </p:nvSpPr>
+        <p:spPr>
+          <a:xfrm>
+            <a:off x="159489" y="5046920"/>
+            <a:ext cx="2424223" cy="1577163"/>
+          </a:xfrm>
+          <a:prstGeom prst="rect">
+            <a:avLst/>
+          </a:prstGeom>
+          <a:solidFill>
+            <a:schemeClr val="accent2">
+              <a:lumMod val="40000"/>
+              <a:lumOff val="60000"/>
+            </a:schemeClr>
+          </a:solidFill>
+          <a:ln>
+            <a:solidFill>
+              <a:schemeClr val="tx1"/>
+            </a:solidFill>
+          </a:ln>
+        </p:spPr>
+        <p:style>
+          <a:lnRef idx="2">
+            <a:schemeClr val="accent1">
+              <a:shade val="50000"/>
+            </a:schemeClr>
+          </a:lnRef>
+          <a:fillRef idx="1">
+            <a:schemeClr val="accent1"/>
+          </a:fillRef>
+          <a:effectRef idx="0">
+            <a:schemeClr val="accent1"/>
+          </a:effectRef>
+          <a:fontRef idx="minor">
+            <a:schemeClr val="lt1"/>
+          </a:fontRef>
+        </p:style>
+        <p:txBody>
+          <a:bodyPr rtlCol="0" anchor="t"/>
+          <a:lstStyle/>
+          <a:p>
+            <a:pPr algn="ctr"/>
+            <a:r>
+              <a:rPr lang="fr-FR" b="1" dirty="0">
+                <a:solidFill>
+                  <a:schemeClr val="tx1"/>
+                </a:solidFill>
+              </a:rPr>
+              <a:t>Dossier style</a:t>
+            </a:r>
+          </a:p>
+          <a:p>
+            <a:r>
+              <a:rPr lang="fr-FR" dirty="0">
+                <a:solidFill>
+                  <a:schemeClr val="tx1"/>
+                </a:solidFill>
+              </a:rPr>
+              <a:t> - main.css</a:t>
+            </a:r>
+          </a:p>
+          <a:p>
+            <a:r>
+              <a:rPr lang="fr-FR" dirty="0">
+                <a:solidFill>
+                  <a:schemeClr val="tx1"/>
+                </a:solidFill>
+              </a:rPr>
+              <a:t> - secondaire.css</a:t>
+            </a:r>
+          </a:p>
+        </p:txBody>
+      </p:sp>
+      <p:sp>
+        <p:nvSpPr>
+          <p:cNvPr id="20" name="Rectangle 19">
+            <a:extLst>
+              <a:ext uri="{FF2B5EF4-FFF2-40B4-BE49-F238E27FC236}">
+                <a16:creationId xmlns:a16="http://schemas.microsoft.com/office/drawing/2014/main" id="{CB296769-7133-41BA-A0FE-477A0088A84F}"/>
+              </a:ext>
+            </a:extLst>
+          </p:cNvPr>
+          <p:cNvSpPr/>
+          <p:nvPr/>
+        </p:nvSpPr>
+        <p:spPr>
+          <a:xfrm>
+            <a:off x="2775098" y="5046920"/>
+            <a:ext cx="2424223" cy="1577163"/>
+          </a:xfrm>
+          <a:prstGeom prst="rect">
+            <a:avLst/>
+          </a:prstGeom>
+          <a:solidFill>
+            <a:schemeClr val="accent2">
+              <a:lumMod val="40000"/>
+              <a:lumOff val="60000"/>
+            </a:schemeClr>
+          </a:solidFill>
+          <a:ln>
+            <a:solidFill>
+              <a:schemeClr val="tx1"/>
+            </a:solidFill>
+          </a:ln>
+        </p:spPr>
+        <p:style>
+          <a:lnRef idx="2">
+            <a:schemeClr val="accent1">
+              <a:shade val="50000"/>
+            </a:schemeClr>
+          </a:lnRef>
+          <a:fillRef idx="1">
+            <a:schemeClr val="accent1"/>
+          </a:fillRef>
+          <a:effectRef idx="0">
+            <a:schemeClr val="accent1"/>
+          </a:effectRef>
+          <a:fontRef idx="minor">
+            <a:schemeClr val="lt1"/>
+          </a:fontRef>
+        </p:style>
+        <p:txBody>
+          <a:bodyPr rtlCol="0" anchor="t"/>
+          <a:lstStyle/>
+          <a:p>
+            <a:pPr algn="ctr"/>
+            <a:r>
+              <a:rPr lang="fr-FR" b="1" dirty="0">
+                <a:solidFill>
+                  <a:schemeClr val="tx1"/>
+                </a:solidFill>
+              </a:rPr>
+              <a:t>Dossier </a:t>
+            </a:r>
+            <a:r>
+              <a:rPr lang="fr-FR" b="1" dirty="0" err="1">
+                <a:solidFill>
+                  <a:schemeClr val="tx1"/>
+                </a:solidFill>
+              </a:rPr>
+              <a:t>pictures</a:t>
+            </a:r>
+            <a:endParaRPr lang="fr-FR" b="1" dirty="0">
+              <a:solidFill>
+                <a:schemeClr val="tx1"/>
+              </a:solidFill>
+            </a:endParaRPr>
+          </a:p>
+        </p:txBody>
+      </p:sp>
+      <p:sp>
+        <p:nvSpPr>
+          <p:cNvPr id="21" name="Rectangle 20">
+            <a:extLst>
+              <a:ext uri="{FF2B5EF4-FFF2-40B4-BE49-F238E27FC236}">
+                <a16:creationId xmlns:a16="http://schemas.microsoft.com/office/drawing/2014/main" id="{EDC1AE5E-355F-4917-AD35-5DE3B6BEDBC2}"/>
+              </a:ext>
+            </a:extLst>
+          </p:cNvPr>
+          <p:cNvSpPr/>
+          <p:nvPr/>
+        </p:nvSpPr>
+        <p:spPr>
+          <a:xfrm>
+            <a:off x="5390707" y="5046920"/>
+            <a:ext cx="2424223" cy="1577163"/>
+          </a:xfrm>
+          <a:prstGeom prst="rect">
+            <a:avLst/>
+          </a:prstGeom>
+          <a:solidFill>
+            <a:schemeClr val="accent2">
+              <a:lumMod val="40000"/>
+              <a:lumOff val="60000"/>
+            </a:schemeClr>
+          </a:solidFill>
+          <a:ln>
+            <a:solidFill>
+              <a:schemeClr val="tx1"/>
+            </a:solidFill>
+          </a:ln>
+        </p:spPr>
+        <p:style>
+          <a:lnRef idx="2">
+            <a:schemeClr val="accent1">
+              <a:shade val="50000"/>
+            </a:schemeClr>
+          </a:lnRef>
+          <a:fillRef idx="1">
+            <a:schemeClr val="accent1"/>
+          </a:fillRef>
+          <a:effectRef idx="0">
+            <a:schemeClr val="accent1"/>
+          </a:effectRef>
+          <a:fontRef idx="minor">
+            <a:schemeClr val="lt1"/>
+          </a:fontRef>
+        </p:style>
+        <p:txBody>
+          <a:bodyPr rtlCol="0" anchor="t"/>
+          <a:lstStyle/>
+          <a:p>
+            <a:pPr algn="ctr"/>
+            <a:r>
+              <a:rPr lang="fr-FR" b="1" dirty="0">
+                <a:solidFill>
+                  <a:schemeClr val="tx1"/>
+                </a:solidFill>
+              </a:rPr>
+              <a:t>Dossier </a:t>
+            </a:r>
+            <a:r>
+              <a:rPr lang="fr-FR" b="1" dirty="0" err="1">
+                <a:solidFill>
+                  <a:schemeClr val="tx1"/>
+                </a:solidFill>
+              </a:rPr>
+              <a:t>icons</a:t>
+            </a:r>
+            <a:endParaRPr lang="fr-FR" b="1" dirty="0">
+              <a:solidFill>
+                <a:schemeClr val="tx1"/>
+              </a:solidFill>
+            </a:endParaRPr>
+          </a:p>
+        </p:txBody>
+      </p:sp>
+      <p:cxnSp>
+        <p:nvCxnSpPr>
+          <p:cNvPr id="23" name="Connecteur : en angle 22">
+            <a:extLst>
+              <a:ext uri="{FF2B5EF4-FFF2-40B4-BE49-F238E27FC236}">
+                <a16:creationId xmlns:a16="http://schemas.microsoft.com/office/drawing/2014/main" id="{A8723E05-49D0-4DD5-8E0B-2F5DE6D7129D}"/>
+              </a:ext>
+            </a:extLst>
+          </p:cNvPr>
+          <p:cNvCxnSpPr>
+            <a:cxnSpLocks/>
+            <a:stCxn id="4" idx="2"/>
+            <a:endCxn id="17" idx="0"/>
+          </p:cNvCxnSpPr>
+          <p:nvPr/>
+        </p:nvCxnSpPr>
+        <p:spPr>
+          <a:xfrm rot="16200000" flipH="1">
+            <a:off x="7878725" y="-721243"/>
+            <a:ext cx="701750" cy="4866167"/>
+          </a:xfrm>
+          <a:prstGeom prst="bentConnector3">
+            <a:avLst>
+              <a:gd name="adj1" fmla="val 50000"/>
+            </a:avLst>
+          </a:prstGeom>
+          <a:ln>
+            <a:tailEnd type="triangle"/>
+          </a:ln>
+        </p:spPr>
+        <p:style>
+          <a:lnRef idx="1">
+            <a:schemeClr val="accent1"/>
+          </a:lnRef>
+          <a:fillRef idx="0">
+            <a:schemeClr val="accent1"/>
+          </a:fillRef>
+          <a:effectRef idx="0">
+            <a:schemeClr val="accent1"/>
+          </a:effectRef>
+          <a:fontRef idx="minor">
+            <a:schemeClr val="tx1"/>
+          </a:fontRef>
+        </p:style>
+      </p:cxnSp>
+      <p:cxnSp>
+        <p:nvCxnSpPr>
+          <p:cNvPr id="28" name="Connecteur : en angle 27">
+            <a:extLst>
+              <a:ext uri="{FF2B5EF4-FFF2-40B4-BE49-F238E27FC236}">
+                <a16:creationId xmlns:a16="http://schemas.microsoft.com/office/drawing/2014/main" id="{7A3739DF-6992-4AEA-A02A-DBD46115E459}"/>
+              </a:ext>
+            </a:extLst>
+          </p:cNvPr>
+          <p:cNvCxnSpPr>
+            <a:cxnSpLocks/>
+            <a:stCxn id="4" idx="2"/>
+            <a:endCxn id="5" idx="0"/>
+          </p:cNvCxnSpPr>
+          <p:nvPr/>
+        </p:nvCxnSpPr>
+        <p:spPr>
+          <a:xfrm rot="5400000">
+            <a:off x="3437861" y="-281764"/>
+            <a:ext cx="715927" cy="4001386"/>
+          </a:xfrm>
+          <a:prstGeom prst="bentConnector3">
+            <a:avLst>
+              <a:gd name="adj1" fmla="val 50000"/>
+            </a:avLst>
+          </a:prstGeom>
+          <a:ln>
+            <a:tailEnd type="triangle"/>
+          </a:ln>
+        </p:spPr>
+        <p:style>
+          <a:lnRef idx="1">
+            <a:schemeClr val="accent1"/>
+          </a:lnRef>
+          <a:fillRef idx="0">
+            <a:schemeClr val="accent1"/>
+          </a:fillRef>
+          <a:effectRef idx="0">
+            <a:schemeClr val="accent1"/>
+          </a:effectRef>
+          <a:fontRef idx="minor">
+            <a:schemeClr val="tx1"/>
+          </a:fontRef>
+        </p:style>
+      </p:cxnSp>
+      <p:cxnSp>
+        <p:nvCxnSpPr>
+          <p:cNvPr id="31" name="Connecteur : en angle 30">
+            <a:extLst>
+              <a:ext uri="{FF2B5EF4-FFF2-40B4-BE49-F238E27FC236}">
+                <a16:creationId xmlns:a16="http://schemas.microsoft.com/office/drawing/2014/main" id="{DEA87B1A-4A37-49B7-8353-2926C31510C7}"/>
+              </a:ext>
+            </a:extLst>
+          </p:cNvPr>
+          <p:cNvCxnSpPr>
+            <a:cxnSpLocks/>
+            <a:stCxn id="4" idx="2"/>
+            <a:endCxn id="6" idx="0"/>
+          </p:cNvCxnSpPr>
+          <p:nvPr/>
+        </p:nvCxnSpPr>
+        <p:spPr>
+          <a:xfrm rot="5400000">
+            <a:off x="4993759" y="1274134"/>
+            <a:ext cx="715927" cy="889591"/>
+          </a:xfrm>
+          <a:prstGeom prst="bentConnector3">
+            <a:avLst>
+              <a:gd name="adj1" fmla="val 50000"/>
+            </a:avLst>
+          </a:prstGeom>
+          <a:ln>
+            <a:tailEnd type="triangle"/>
+          </a:ln>
+        </p:spPr>
+        <p:style>
+          <a:lnRef idx="1">
+            <a:schemeClr val="accent1"/>
+          </a:lnRef>
+          <a:fillRef idx="0">
+            <a:schemeClr val="accent1"/>
+          </a:fillRef>
+          <a:effectRef idx="0">
+            <a:schemeClr val="accent1"/>
+          </a:effectRef>
+          <a:fontRef idx="minor">
+            <a:schemeClr val="tx1"/>
+          </a:fontRef>
+        </p:style>
+      </p:cxnSp>
+      <p:cxnSp>
+        <p:nvCxnSpPr>
+          <p:cNvPr id="34" name="Connecteur : en angle 33">
+            <a:extLst>
+              <a:ext uri="{FF2B5EF4-FFF2-40B4-BE49-F238E27FC236}">
+                <a16:creationId xmlns:a16="http://schemas.microsoft.com/office/drawing/2014/main" id="{D6BCB283-C9F6-4F90-BD36-396054E77B82}"/>
+              </a:ext>
+            </a:extLst>
+          </p:cNvPr>
+          <p:cNvCxnSpPr>
+            <a:cxnSpLocks/>
+            <a:stCxn id="4" idx="2"/>
+            <a:endCxn id="18" idx="0"/>
+          </p:cNvCxnSpPr>
+          <p:nvPr/>
+        </p:nvCxnSpPr>
+        <p:spPr>
+          <a:xfrm rot="16200000" flipH="1">
+            <a:off x="6439786" y="717697"/>
+            <a:ext cx="701750" cy="1988288"/>
+          </a:xfrm>
+          <a:prstGeom prst="bentConnector3">
+            <a:avLst>
+              <a:gd name="adj1" fmla="val 50000"/>
+            </a:avLst>
+          </a:prstGeom>
+          <a:ln>
+            <a:tailEnd type="triangle"/>
+          </a:ln>
+        </p:spPr>
+        <p:style>
+          <a:lnRef idx="1">
+            <a:schemeClr val="accent1"/>
+          </a:lnRef>
+          <a:fillRef idx="0">
+            <a:schemeClr val="accent1"/>
+          </a:fillRef>
+          <a:effectRef idx="0">
+            <a:schemeClr val="accent1"/>
+          </a:effectRef>
+          <a:fontRef idx="minor">
+            <a:schemeClr val="tx1"/>
+          </a:fontRef>
+        </p:style>
+      </p:cxnSp>
+      <p:cxnSp>
+        <p:nvCxnSpPr>
+          <p:cNvPr id="40" name="Connecteur : en angle 39">
+            <a:extLst>
+              <a:ext uri="{FF2B5EF4-FFF2-40B4-BE49-F238E27FC236}">
+                <a16:creationId xmlns:a16="http://schemas.microsoft.com/office/drawing/2014/main" id="{5E7E9964-BB7B-446E-B507-3910C343AB14}"/>
+              </a:ext>
+            </a:extLst>
+          </p:cNvPr>
+          <p:cNvCxnSpPr>
+            <a:cxnSpLocks/>
+            <a:stCxn id="5" idx="2"/>
+            <a:endCxn id="19" idx="0"/>
+          </p:cNvCxnSpPr>
+          <p:nvPr/>
+        </p:nvCxnSpPr>
+        <p:spPr>
+          <a:xfrm rot="5400000">
+            <a:off x="1282111" y="4533899"/>
+            <a:ext cx="602511" cy="423530"/>
+          </a:xfrm>
+          <a:prstGeom prst="bentConnector3">
+            <a:avLst/>
+          </a:prstGeom>
+          <a:ln>
+            <a:tailEnd type="triangle"/>
+          </a:ln>
+        </p:spPr>
+        <p:style>
+          <a:lnRef idx="1">
+            <a:schemeClr val="accent1"/>
+          </a:lnRef>
+          <a:fillRef idx="0">
+            <a:schemeClr val="accent1"/>
+          </a:fillRef>
+          <a:effectRef idx="0">
+            <a:schemeClr val="accent1"/>
+          </a:effectRef>
+          <a:fontRef idx="minor">
+            <a:schemeClr val="tx1"/>
+          </a:fontRef>
+        </p:style>
+      </p:cxnSp>
+      <p:cxnSp>
+        <p:nvCxnSpPr>
+          <p:cNvPr id="42" name="Connecteur : en angle 41">
+            <a:extLst>
+              <a:ext uri="{FF2B5EF4-FFF2-40B4-BE49-F238E27FC236}">
+                <a16:creationId xmlns:a16="http://schemas.microsoft.com/office/drawing/2014/main" id="{ACB730B2-9812-43B5-8FC9-C6739E633045}"/>
+              </a:ext>
+            </a:extLst>
+          </p:cNvPr>
+          <p:cNvCxnSpPr>
+            <a:cxnSpLocks/>
+            <a:stCxn id="5" idx="2"/>
+            <a:endCxn id="20" idx="0"/>
+          </p:cNvCxnSpPr>
+          <p:nvPr/>
+        </p:nvCxnSpPr>
+        <p:spPr>
+          <a:xfrm rot="16200000" flipH="1">
+            <a:off x="2589915" y="3649624"/>
+            <a:ext cx="602511" cy="2192079"/>
+          </a:xfrm>
+          <a:prstGeom prst="bentConnector3">
+            <a:avLst/>
+          </a:prstGeom>
+          <a:ln>
+            <a:tailEnd type="triangle"/>
+          </a:ln>
+        </p:spPr>
+        <p:style>
+          <a:lnRef idx="1">
+            <a:schemeClr val="accent1"/>
+          </a:lnRef>
+          <a:fillRef idx="0">
+            <a:schemeClr val="accent1"/>
+          </a:fillRef>
+          <a:effectRef idx="0">
+            <a:schemeClr val="accent1"/>
+          </a:effectRef>
+          <a:fontRef idx="minor">
+            <a:schemeClr val="tx1"/>
+          </a:fontRef>
+        </p:style>
+      </p:cxnSp>
+      <p:cxnSp>
+        <p:nvCxnSpPr>
+          <p:cNvPr id="45" name="Connecteur : en angle 44">
+            <a:extLst>
+              <a:ext uri="{FF2B5EF4-FFF2-40B4-BE49-F238E27FC236}">
+                <a16:creationId xmlns:a16="http://schemas.microsoft.com/office/drawing/2014/main" id="{9C382278-9CE0-4126-92BB-72AAF80DBF84}"/>
+              </a:ext>
+            </a:extLst>
+          </p:cNvPr>
+          <p:cNvCxnSpPr>
+            <a:cxnSpLocks/>
+            <a:stCxn id="5" idx="2"/>
+            <a:endCxn id="21" idx="0"/>
+          </p:cNvCxnSpPr>
+          <p:nvPr/>
+        </p:nvCxnSpPr>
+        <p:spPr>
+          <a:xfrm rot="16200000" flipH="1">
+            <a:off x="3897720" y="2341820"/>
+            <a:ext cx="602511" cy="4807688"/>
+          </a:xfrm>
+          <a:prstGeom prst="bentConnector3">
+            <a:avLst>
+              <a:gd name="adj1" fmla="val 50000"/>
+            </a:avLst>
+          </a:prstGeom>
+          <a:ln>
+            <a:tailEnd type="triangle"/>
+          </a:ln>
+        </p:spPr>
+        <p:style>
+          <a:lnRef idx="1">
+            <a:schemeClr val="accent1"/>
+          </a:lnRef>
+          <a:fillRef idx="0">
+            <a:schemeClr val="accent1"/>
+          </a:fillRef>
+          <a:effectRef idx="0">
+            <a:schemeClr val="accent1"/>
+          </a:effectRef>
+          <a:fontRef idx="minor">
+            <a:schemeClr val="tx1"/>
+          </a:fontRef>
+        </p:style>
+      </p:cxnSp>
+    </p:spTree>
+    <p:extLst>
+      <p:ext uri="{BB962C8B-B14F-4D97-AF65-F5344CB8AC3E}">
+        <p14:creationId xmlns:p14="http://schemas.microsoft.com/office/powerpoint/2010/main" val="1283990385"/>
       </p:ext>
     </p:extLst>
   </p:cSld>
